--- a/컴시설8조 DFD.pptx
+++ b/컴시설8조 DFD.pptx
@@ -106,6 +106,11 @@
       </a:defRPr>
     </a:lvl9pPr>
   </p:defaultTextStyle>
+  <p:extLst>
+    <p:ext uri="{EFAFB233-063F-42B5-8137-9DF3F51BA10A}">
+      <p15:sldGuideLst xmlns:p15="http://schemas.microsoft.com/office/powerpoint/2012/main"/>
+    </p:ext>
+  </p:extLst>
 </p:presentation>
 </file>
 
@@ -4130,6 +4135,59 @@
               <a:rPr lang="ko-KR" altLang="en-US" dirty="0" smtClean="0"/>
               <a:t> 따로 </a:t>
             </a:r>
+            <a:endParaRPr lang="en-US" altLang="ko-KR" dirty="0" smtClean="0"/>
+          </a:p>
+          <a:p>
+            <a:r>
+              <a:rPr lang="ko-KR" altLang="en-US" dirty="0" smtClean="0"/>
+              <a:t>주기적으로 사용하는 이용자 </a:t>
+            </a:r>
+            <a:endParaRPr lang="en-US" altLang="ko-KR" dirty="0" smtClean="0"/>
+          </a:p>
+          <a:p>
+            <a:r>
+              <a:rPr lang="ko-KR" altLang="en-US" dirty="0" err="1" smtClean="0"/>
+              <a:t>꼭필요할것같은</a:t>
+            </a:r>
+            <a:r>
+              <a:rPr lang="ko-KR" altLang="en-US" dirty="0" smtClean="0"/>
+              <a:t> </a:t>
+            </a:r>
+            <a:r>
+              <a:rPr lang="en-US" altLang="ko-KR" dirty="0" smtClean="0"/>
+              <a:t>CASE</a:t>
+            </a:r>
+            <a:r>
+              <a:rPr lang="ko-KR" altLang="en-US" dirty="0" smtClean="0"/>
+              <a:t>를 들자</a:t>
+            </a:r>
+            <a:r>
+              <a:rPr lang="en-US" altLang="ko-KR" dirty="0" smtClean="0"/>
+              <a:t/>
+            </a:r>
+            <a:br>
+              <a:rPr lang="en-US" altLang="ko-KR" dirty="0" smtClean="0"/>
+            </a:br>
+            <a:r>
+              <a:rPr lang="en-US" altLang="ko-KR" dirty="0" smtClean="0"/>
+              <a:t>(</a:t>
+            </a:r>
+            <a:r>
+              <a:rPr lang="ko-KR" altLang="en-US" dirty="0" smtClean="0"/>
+              <a:t>학교 실내 체육관</a:t>
+            </a:r>
+            <a:r>
+              <a:rPr lang="en-US" altLang="ko-KR" dirty="0" smtClean="0"/>
+              <a:t>, </a:t>
+            </a:r>
+            <a:r>
+              <a:rPr lang="ko-KR" altLang="en-US" dirty="0" smtClean="0"/>
+              <a:t>헬스장 등</a:t>
+            </a:r>
+            <a:r>
+              <a:rPr lang="en-US" altLang="ko-KR" smtClean="0"/>
+              <a:t>)</a:t>
+            </a:r>
             <a:endParaRPr lang="en-US" altLang="ko-KR" dirty="0"/>
           </a:p>
         </p:txBody>
